--- a/Experiments/Arduino/01_PRVNI_PROGRAM/ppt/01_led.pptx
+++ b/Experiments/Arduino/01_PRVNI_PROGRAM/ppt/01_led.pptx
@@ -220,7 +220,7 @@
           <a:p>
             <a:fld id="{4D4CD106-0280-324C-A42B-4E18AB917999}" type="datetimeFigureOut">
               <a:rPr lang="cs-CZ" smtClean="0"/>
-              <a:t>04.03.18</a:t>
+              <a:t>19.04.19</a:t>
             </a:fld>
             <a:endParaRPr lang="cs-CZ"/>
           </a:p>
@@ -7385,7 +7385,7 @@
           <a:graphicData uri="http://schemas.openxmlformats.org/presentationml/2006/ole">
             <mc:AlternateContent xmlns:mc="http://schemas.openxmlformats.org/markup-compatibility/2006">
               <mc:Choice xmlns:v="urn:schemas-microsoft-com:vml" Requires="v">
-                <p:oleObj spid="_x0000_s9244" name="Dokument" r:id="rId6" imgW="5969000" imgH="1041400" progId="Word.Document.12">
+                <p:oleObj spid="_x0000_s9255" name="Dokument" r:id="rId6" imgW="5969000" imgH="1041400" progId="Word.Document.12">
                   <p:embed/>
                 </p:oleObj>
               </mc:Choice>
@@ -7442,7 +7442,7 @@
           <a:graphicData uri="http://schemas.openxmlformats.org/presentationml/2006/ole">
             <mc:AlternateContent xmlns:mc="http://schemas.openxmlformats.org/markup-compatibility/2006">
               <mc:Choice xmlns:v="urn:schemas-microsoft-com:vml" Requires="v">
-                <p:oleObj spid="_x0000_s9245" name="Dokument" r:id="rId9" imgW="5969000" imgH="3352800" progId="Word.Document.12">
+                <p:oleObj spid="_x0000_s9256" name="Dokument" r:id="rId9" imgW="5969000" imgH="3352800" progId="Word.Document.12">
                   <p:embed/>
                 </p:oleObj>
               </mc:Choice>
@@ -8081,7 +8081,117 @@
                 <a:ea typeface="Andale Mono" charset="0"/>
                 <a:cs typeface="Andale Mono" charset="0"/>
               </a:rPr>
-              <a:t>Upravte program tak, aby diody blikali postupně tj. rozsvítí se první, po 0,25s se rozsvítí druhá, v čase 0,5s zhasne první a v čase 0,75 zhasne druhá. V čase 1s rozsvítí první a pořád dokola.</a:t>
+              <a:t>Upravte program tak, aby diody </a:t>
+            </a:r>
+            <a:r>
+              <a:rPr lang="cs-CZ" sz="1600" b="1" dirty="0" smtClean="0">
+                <a:solidFill>
+                  <a:srgbClr val="AB7942"/>
+                </a:solidFill>
+                <a:latin typeface="Andale Mono" charset="0"/>
+                <a:ea typeface="Andale Mono" charset="0"/>
+                <a:cs typeface="Andale Mono" charset="0"/>
+              </a:rPr>
+              <a:t>blikaly </a:t>
+            </a:r>
+            <a:r>
+              <a:rPr lang="cs-CZ" sz="1600" b="1" dirty="0">
+                <a:solidFill>
+                  <a:srgbClr val="AB7942"/>
+                </a:solidFill>
+                <a:latin typeface="Andale Mono" charset="0"/>
+                <a:ea typeface="Andale Mono" charset="0"/>
+                <a:cs typeface="Andale Mono" charset="0"/>
+              </a:rPr>
+              <a:t>postupně tj. rozsvítí se první, po </a:t>
+            </a:r>
+            <a:r>
+              <a:rPr lang="cs-CZ" sz="1600" b="1" dirty="0" smtClean="0">
+                <a:solidFill>
+                  <a:srgbClr val="AB7942"/>
+                </a:solidFill>
+                <a:latin typeface="Andale Mono" charset="0"/>
+                <a:ea typeface="Andale Mono" charset="0"/>
+                <a:cs typeface="Andale Mono" charset="0"/>
+              </a:rPr>
+              <a:t>0,25 s </a:t>
+            </a:r>
+            <a:r>
+              <a:rPr lang="cs-CZ" sz="1600" b="1" dirty="0">
+                <a:solidFill>
+                  <a:srgbClr val="AB7942"/>
+                </a:solidFill>
+                <a:latin typeface="Andale Mono" charset="0"/>
+                <a:ea typeface="Andale Mono" charset="0"/>
+                <a:cs typeface="Andale Mono" charset="0"/>
+              </a:rPr>
+              <a:t>se rozsvítí druhá, v čase </a:t>
+            </a:r>
+            <a:r>
+              <a:rPr lang="cs-CZ" sz="1600" b="1" dirty="0" smtClean="0">
+                <a:solidFill>
+                  <a:srgbClr val="AB7942"/>
+                </a:solidFill>
+                <a:latin typeface="Andale Mono" charset="0"/>
+                <a:ea typeface="Andale Mono" charset="0"/>
+                <a:cs typeface="Andale Mono" charset="0"/>
+              </a:rPr>
+              <a:t>0,5 s </a:t>
+            </a:r>
+            <a:r>
+              <a:rPr lang="cs-CZ" sz="1600" b="1" dirty="0">
+                <a:solidFill>
+                  <a:srgbClr val="AB7942"/>
+                </a:solidFill>
+                <a:latin typeface="Andale Mono" charset="0"/>
+                <a:ea typeface="Andale Mono" charset="0"/>
+                <a:cs typeface="Andale Mono" charset="0"/>
+              </a:rPr>
+              <a:t>zhasne první a v čase </a:t>
+            </a:r>
+            <a:r>
+              <a:rPr lang="cs-CZ" sz="1600" b="1" dirty="0" smtClean="0">
+                <a:solidFill>
+                  <a:srgbClr val="AB7942"/>
+                </a:solidFill>
+                <a:latin typeface="Andale Mono" charset="0"/>
+                <a:ea typeface="Andale Mono" charset="0"/>
+                <a:cs typeface="Andale Mono" charset="0"/>
+              </a:rPr>
+              <a:t>0,75 s </a:t>
+            </a:r>
+            <a:r>
+              <a:rPr lang="cs-CZ" sz="1600" b="1" dirty="0">
+                <a:solidFill>
+                  <a:srgbClr val="AB7942"/>
+                </a:solidFill>
+                <a:latin typeface="Andale Mono" charset="0"/>
+                <a:ea typeface="Andale Mono" charset="0"/>
+                <a:cs typeface="Andale Mono" charset="0"/>
+              </a:rPr>
+              <a:t>zhasne druhá. V čase </a:t>
+            </a:r>
+            <a:r>
+              <a:rPr lang="cs-CZ" sz="1600" b="1" dirty="0" smtClean="0">
+                <a:solidFill>
+                  <a:srgbClr val="AB7942"/>
+                </a:solidFill>
+                <a:latin typeface="Andale Mono" charset="0"/>
+                <a:ea typeface="Andale Mono" charset="0"/>
+                <a:cs typeface="Andale Mono" charset="0"/>
+              </a:rPr>
+              <a:t>1 s </a:t>
+            </a:r>
+            <a:r>
+              <a:rPr lang="cs-CZ" sz="1600" b="1" dirty="0">
+                <a:solidFill>
+                  <a:srgbClr val="AB7942"/>
+                </a:solidFill>
+                <a:latin typeface="Andale Mono" charset="0"/>
+                <a:ea typeface="Andale Mono" charset="0"/>
+                <a:cs typeface="Andale Mono" charset="0"/>
+              </a:rPr>
+              <a:t>rozsvítí první a pořád dokola.</a:t>
             </a:r>
           </a:p>
         </p:txBody>
@@ -8138,7 +8248,7 @@
           <a:graphicData uri="http://schemas.openxmlformats.org/presentationml/2006/ole">
             <mc:AlternateContent xmlns:mc="http://schemas.openxmlformats.org/markup-compatibility/2006">
               <mc:Choice xmlns:v="urn:schemas-microsoft-com:vml" Requires="v">
-                <p:oleObj spid="_x0000_s11286" name="Dokument" r:id="rId6" imgW="5969000" imgH="1041400" progId="Word.Document.12">
+                <p:oleObj spid="_x0000_s11297" name="Dokument" r:id="rId6" imgW="5969000" imgH="1041400" progId="Word.Document.12">
                   <p:embed/>
                 </p:oleObj>
               </mc:Choice>
@@ -8195,7 +8305,7 @@
           <a:graphicData uri="http://schemas.openxmlformats.org/presentationml/2006/ole">
             <mc:AlternateContent xmlns:mc="http://schemas.openxmlformats.org/markup-compatibility/2006">
               <mc:Choice xmlns:v="urn:schemas-microsoft-com:vml" Requires="v">
-                <p:oleObj spid="_x0000_s11287" name="Dokument" r:id="rId9" imgW="5969000" imgH="1866900" progId="Word.Document.12">
+                <p:oleObj spid="_x0000_s11298" name="Dokument" r:id="rId9" imgW="5969000" imgH="1866900" progId="Word.Document.12">
                   <p:embed/>
                 </p:oleObj>
               </mc:Choice>
@@ -9641,7 +9751,7 @@
           <a:graphicData uri="http://schemas.openxmlformats.org/presentationml/2006/ole">
             <mc:AlternateContent xmlns:mc="http://schemas.openxmlformats.org/markup-compatibility/2006">
               <mc:Choice xmlns:v="urn:schemas-microsoft-com:vml" Requires="v">
-                <p:oleObj spid="_x0000_s5175" name="Dokument" r:id="rId6" imgW="5969000" imgH="1727200" progId="Word.Document.12">
+                <p:oleObj spid="_x0000_s5182" name="Dokument" r:id="rId6" imgW="5969000" imgH="1727200" progId="Word.Document.12">
                   <p:embed/>
                 </p:oleObj>
               </mc:Choice>
@@ -10106,42 +10216,6 @@
           </p:txBody>
         </p:sp>
       </p:grpSp>
-      <p:pic>
-        <p:nvPicPr>
-          <p:cNvPr id="11" name="Obrázek 10"/>
-          <p:cNvPicPr/>
-          <p:nvPr/>
-        </p:nvPicPr>
-        <p:blipFill rotWithShape="1">
-          <a:blip r:embed="rId4">
-            <a:extLst>
-              <a:ext uri="{28A0092B-C50C-407E-A947-70E740481C1C}">
-                <a14:useLocalDpi xmlns:a14="http://schemas.microsoft.com/office/drawing/2010/main" val="0"/>
-              </a:ext>
-            </a:extLst>
-          </a:blip>
-          <a:srcRect b="6925"/>
-          <a:stretch/>
-        </p:blipFill>
-        <p:spPr bwMode="auto">
-          <a:xfrm>
-            <a:off x="2960816" y="1635646"/>
-            <a:ext cx="4059456" cy="2880320"/>
-          </a:xfrm>
-          <a:prstGeom prst="rect">
-            <a:avLst/>
-          </a:prstGeom>
-          <a:noFill/>
-          <a:ln>
-            <a:noFill/>
-          </a:ln>
-          <a:extLst>
-            <a:ext uri="{53640926-AAD7-44D8-BBD7-CCE9431645EC}">
-              <a14:shadowObscured xmlns:a14="http://schemas.microsoft.com/office/drawing/2010/main"/>
-            </a:ext>
-          </a:extLst>
-        </p:spPr>
-      </p:pic>
       <p:sp>
         <p:nvSpPr>
           <p:cNvPr id="12" name="TextovéPole 11"/>
@@ -10186,6 +10260,42 @@
           </a:p>
         </p:txBody>
       </p:sp>
+      <p:pic>
+        <p:nvPicPr>
+          <p:cNvPr id="13" name="Obrázek 12"/>
+          <p:cNvPicPr/>
+          <p:nvPr/>
+        </p:nvPicPr>
+        <p:blipFill rotWithShape="1">
+          <a:blip r:embed="rId4">
+            <a:extLst>
+              <a:ext uri="{28A0092B-C50C-407E-A947-70E740481C1C}">
+                <a14:useLocalDpi xmlns:a14="http://schemas.microsoft.com/office/drawing/2010/main" val="0"/>
+              </a:ext>
+            </a:extLst>
+          </a:blip>
+          <a:srcRect b="6521"/>
+          <a:stretch/>
+        </p:blipFill>
+        <p:spPr bwMode="auto">
+          <a:xfrm>
+            <a:off x="2987824" y="1489447"/>
+            <a:ext cx="4436851" cy="3184059"/>
+          </a:xfrm>
+          <a:prstGeom prst="rect">
+            <a:avLst/>
+          </a:prstGeom>
+          <a:noFill/>
+          <a:ln>
+            <a:noFill/>
+          </a:ln>
+          <a:extLst>
+            <a:ext uri="{53640926-AAD7-44D8-BBD7-CCE9431645EC}">
+              <a14:shadowObscured xmlns:a14="http://schemas.microsoft.com/office/drawing/2010/main"/>
+            </a:ext>
+          </a:extLst>
+        </p:spPr>
+      </p:pic>
     </p:spTree>
     <p:extLst>
       <p:ext uri="{BB962C8B-B14F-4D97-AF65-F5344CB8AC3E}">
@@ -10604,7 +10714,7 @@
           <a:graphicData uri="http://schemas.openxmlformats.org/presentationml/2006/ole">
             <mc:AlternateContent xmlns:mc="http://schemas.openxmlformats.org/markup-compatibility/2006">
               <mc:Choice xmlns:v="urn:schemas-microsoft-com:vml" Requires="v">
-                <p:oleObj spid="_x0000_s4150" name="Dokument" r:id="rId6" imgW="5575300" imgH="1955800" progId="Word.Document.12">
+                <p:oleObj spid="_x0000_s4157" name="Dokument" r:id="rId6" imgW="5575300" imgH="1955800" progId="Word.Document.12">
                   <p:embed/>
                 </p:oleObj>
               </mc:Choice>
@@ -12141,7 +12251,7 @@
           <a:graphicData uri="http://schemas.openxmlformats.org/presentationml/2006/ole">
             <mc:AlternateContent xmlns:mc="http://schemas.openxmlformats.org/markup-compatibility/2006">
               <mc:Choice xmlns:v="urn:schemas-microsoft-com:vml" Requires="v">
-                <p:oleObj spid="_x0000_s1040" name="Dokument" r:id="rId6" imgW="5575300" imgH="4191000" progId="Word.Document.12">
+                <p:oleObj spid="_x0000_s1047" name="Dokument" r:id="rId6" imgW="5575300" imgH="4191000" progId="Word.Document.12">
                   <p:embed/>
                 </p:oleObj>
               </mc:Choice>
@@ -13305,7 +13415,7 @@
           <a:graphicData uri="http://schemas.openxmlformats.org/presentationml/2006/ole">
             <mc:AlternateContent xmlns:mc="http://schemas.openxmlformats.org/markup-compatibility/2006">
               <mc:Choice xmlns:v="urn:schemas-microsoft-com:vml" Requires="v">
-                <p:oleObj spid="_x0000_s8226" name="Dokument" r:id="rId6" imgW="5969000" imgH="1041400" progId="Word.Document.12">
+                <p:oleObj spid="_x0000_s8237" name="Dokument" r:id="rId6" imgW="5969000" imgH="1041400" progId="Word.Document.12">
                   <p:embed/>
                 </p:oleObj>
               </mc:Choice>
@@ -13362,7 +13472,7 @@
           <a:graphicData uri="http://schemas.openxmlformats.org/presentationml/2006/ole">
             <mc:AlternateContent xmlns:mc="http://schemas.openxmlformats.org/markup-compatibility/2006">
               <mc:Choice xmlns:v="urn:schemas-microsoft-com:vml" Requires="v">
-                <p:oleObj spid="_x0000_s8227" name="Dokument" r:id="rId9" imgW="5969000" imgH="1536700" progId="Word.Document.12">
+                <p:oleObj spid="_x0000_s8238" name="Dokument" r:id="rId9" imgW="5969000" imgH="1536700" progId="Word.Document.12">
                   <p:embed/>
                 </p:oleObj>
               </mc:Choice>
